--- a/Презентации/3 Урок.Контекстные теги.pptx
+++ b/Презентации/3 Урок.Контекстные теги.pptx
@@ -5,32 +5,33 @@
     <p:sldMasterId id="2147483659" r:id="rId1"/>
   </p:sldMasterIdLst>
   <p:notesMasterIdLst>
-    <p:notesMasterId r:id="rId25"/>
+    <p:notesMasterId r:id="rId26"/>
   </p:notesMasterIdLst>
   <p:sldIdLst>
     <p:sldId id="256" r:id="rId2"/>
     <p:sldId id="257" r:id="rId3"/>
-    <p:sldId id="258" r:id="rId4"/>
-    <p:sldId id="259" r:id="rId5"/>
-    <p:sldId id="260" r:id="rId6"/>
-    <p:sldId id="261" r:id="rId7"/>
-    <p:sldId id="262" r:id="rId8"/>
-    <p:sldId id="263" r:id="rId9"/>
-    <p:sldId id="264" r:id="rId10"/>
-    <p:sldId id="265" r:id="rId11"/>
-    <p:sldId id="266" r:id="rId12"/>
-    <p:sldId id="267" r:id="rId13"/>
-    <p:sldId id="268" r:id="rId14"/>
-    <p:sldId id="269" r:id="rId15"/>
-    <p:sldId id="278" r:id="rId16"/>
-    <p:sldId id="270" r:id="rId17"/>
-    <p:sldId id="271" r:id="rId18"/>
-    <p:sldId id="272" r:id="rId19"/>
-    <p:sldId id="273" r:id="rId20"/>
-    <p:sldId id="274" r:id="rId21"/>
-    <p:sldId id="275" r:id="rId22"/>
-    <p:sldId id="276" r:id="rId23"/>
-    <p:sldId id="277" r:id="rId24"/>
+    <p:sldId id="279" r:id="rId4"/>
+    <p:sldId id="258" r:id="rId5"/>
+    <p:sldId id="259" r:id="rId6"/>
+    <p:sldId id="260" r:id="rId7"/>
+    <p:sldId id="261" r:id="rId8"/>
+    <p:sldId id="262" r:id="rId9"/>
+    <p:sldId id="263" r:id="rId10"/>
+    <p:sldId id="264" r:id="rId11"/>
+    <p:sldId id="265" r:id="rId12"/>
+    <p:sldId id="266" r:id="rId13"/>
+    <p:sldId id="267" r:id="rId14"/>
+    <p:sldId id="268" r:id="rId15"/>
+    <p:sldId id="269" r:id="rId16"/>
+    <p:sldId id="278" r:id="rId17"/>
+    <p:sldId id="270" r:id="rId18"/>
+    <p:sldId id="271" r:id="rId19"/>
+    <p:sldId id="272" r:id="rId20"/>
+    <p:sldId id="273" r:id="rId21"/>
+    <p:sldId id="274" r:id="rId22"/>
+    <p:sldId id="275" r:id="rId23"/>
+    <p:sldId id="276" r:id="rId24"/>
+    <p:sldId id="277" r:id="rId25"/>
   </p:sldIdLst>
   <p:sldSz cx="9144000" cy="5143500" type="screen16x9"/>
   <p:notesSz cx="6858000" cy="9144000"/>
@@ -832,6 +833,110 @@
   <p:cSld>
     <p:spTree>
       <p:nvGrpSpPr>
+        <p:cNvPr id="1" name="Shape 98"/>
+        <p:cNvGrpSpPr/>
+        <p:nvPr/>
+      </p:nvGrpSpPr>
+      <p:grpSpPr>
+        <a:xfrm>
+          <a:off x="0" y="0"/>
+          <a:ext cx="0" cy="0"/>
+          <a:chOff x="0" y="0"/>
+          <a:chExt cx="0" cy="0"/>
+        </a:xfrm>
+      </p:grpSpPr>
+      <p:sp>
+        <p:nvSpPr>
+          <p:cNvPr id="99" name="Google Shape;99;g1759e625ce4_0_28:notes"/>
+          <p:cNvSpPr>
+            <a:spLocks noGrp="1" noRot="1" noChangeAspect="1"/>
+          </p:cNvSpPr>
+          <p:nvPr>
+            <p:ph type="sldImg" idx="2"/>
+          </p:nvPr>
+        </p:nvSpPr>
+        <p:spPr>
+          <a:xfrm>
+            <a:off x="381300" y="685800"/>
+            <a:ext cx="6096000" cy="3429000"/>
+          </a:xfrm>
+          <a:custGeom>
+            <a:avLst/>
+            <a:gdLst/>
+            <a:ahLst/>
+            <a:cxnLst/>
+            <a:rect l="l" t="t" r="r" b="b"/>
+            <a:pathLst>
+              <a:path w="120000" h="120000" extrusionOk="0">
+                <a:moveTo>
+                  <a:pt x="0" y="0"/>
+                </a:moveTo>
+                <a:lnTo>
+                  <a:pt x="120000" y="0"/>
+                </a:lnTo>
+                <a:lnTo>
+                  <a:pt x="120000" y="120000"/>
+                </a:lnTo>
+                <a:lnTo>
+                  <a:pt x="0" y="120000"/>
+                </a:lnTo>
+                <a:close/>
+              </a:path>
+            </a:pathLst>
+          </a:custGeom>
+        </p:spPr>
+      </p:sp>
+      <p:sp>
+        <p:nvSpPr>
+          <p:cNvPr id="100" name="Google Shape;100;g1759e625ce4_0_28:notes"/>
+          <p:cNvSpPr txBox="1">
+            <a:spLocks noGrp="1"/>
+          </p:cNvSpPr>
+          <p:nvPr>
+            <p:ph type="body" idx="1"/>
+          </p:nvPr>
+        </p:nvSpPr>
+        <p:spPr>
+          <a:xfrm>
+            <a:off x="685800" y="4343400"/>
+            <a:ext cx="5486400" cy="4114800"/>
+          </a:xfrm>
+          <a:prstGeom prst="rect">
+            <a:avLst/>
+          </a:prstGeom>
+        </p:spPr>
+        <p:txBody>
+          <a:bodyPr spcFirstLastPara="1" wrap="square" lIns="91425" tIns="91425" rIns="91425" bIns="91425" anchor="t" anchorCtr="0">
+            <a:noAutofit/>
+          </a:bodyPr>
+          <a:lstStyle/>
+          <a:p>
+            <a:pPr marL="0" lvl="0" indent="0" algn="l" rtl="0">
+              <a:spcBef>
+                <a:spcPts val="0"/>
+              </a:spcBef>
+              <a:spcAft>
+                <a:spcPts val="0"/>
+              </a:spcAft>
+              <a:buNone/>
+            </a:pPr>
+            <a:endParaRPr/>
+          </a:p>
+        </p:txBody>
+      </p:sp>
+    </p:spTree>
+  </p:cSld>
+  <p:clrMapOvr>
+    <a:masterClrMapping/>
+  </p:clrMapOvr>
+</p:notes>
+</file>
+
+<file path=ppt/notesSlides/notesSlide11.xml><?xml version="1.0" encoding="utf-8"?>
+<p:notes xmlns:a="http://schemas.openxmlformats.org/drawingml/2006/main" xmlns:r="http://schemas.openxmlformats.org/officeDocument/2006/relationships" xmlns:p="http://schemas.openxmlformats.org/presentationml/2006/main" showMasterSp="0" showMasterPhAnim="0">
+  <p:cSld>
+    <p:spTree>
+      <p:nvGrpSpPr>
         <p:cNvPr id="1" name="Shape 103"/>
         <p:cNvGrpSpPr/>
         <p:nvPr/>
@@ -931,7 +1036,7 @@
 </p:notes>
 </file>
 
-<file path=ppt/notesSlides/notesSlide11.xml><?xml version="1.0" encoding="utf-8"?>
+<file path=ppt/notesSlides/notesSlide12.xml><?xml version="1.0" encoding="utf-8"?>
 <p:notes xmlns:a="http://schemas.openxmlformats.org/drawingml/2006/main" xmlns:r="http://schemas.openxmlformats.org/officeDocument/2006/relationships" xmlns:p="http://schemas.openxmlformats.org/presentationml/2006/main" showMasterSp="0" showMasterPhAnim="0">
   <p:cSld>
     <p:spTree>
@@ -1035,7 +1140,7 @@
 </p:notes>
 </file>
 
-<file path=ppt/notesSlides/notesSlide12.xml><?xml version="1.0" encoding="utf-8"?>
+<file path=ppt/notesSlides/notesSlide13.xml><?xml version="1.0" encoding="utf-8"?>
 <p:notes xmlns:a="http://schemas.openxmlformats.org/drawingml/2006/main" xmlns:r="http://schemas.openxmlformats.org/officeDocument/2006/relationships" xmlns:p="http://schemas.openxmlformats.org/presentationml/2006/main" showMasterSp="0" showMasterPhAnim="0">
   <p:cSld>
     <p:spTree>
@@ -1139,7 +1244,7 @@
 </p:notes>
 </file>
 
-<file path=ppt/notesSlides/notesSlide13.xml><?xml version="1.0" encoding="utf-8"?>
+<file path=ppt/notesSlides/notesSlide14.xml><?xml version="1.0" encoding="utf-8"?>
 <p:notes xmlns:a="http://schemas.openxmlformats.org/drawingml/2006/main" xmlns:r="http://schemas.openxmlformats.org/officeDocument/2006/relationships" xmlns:p="http://schemas.openxmlformats.org/presentationml/2006/main" showMasterSp="0" showMasterPhAnim="0">
   <p:cSld>
     <p:spTree>
@@ -1243,7 +1348,7 @@
 </p:notes>
 </file>
 
-<file path=ppt/notesSlides/notesSlide14.xml><?xml version="1.0" encoding="utf-8"?>
+<file path=ppt/notesSlides/notesSlide15.xml><?xml version="1.0" encoding="utf-8"?>
 <p:notes xmlns:a="http://schemas.openxmlformats.org/drawingml/2006/main" xmlns:r="http://schemas.openxmlformats.org/officeDocument/2006/relationships" xmlns:p="http://schemas.openxmlformats.org/presentationml/2006/main" showMasterSp="0" showMasterPhAnim="0">
   <p:cSld>
     <p:spTree>
@@ -1347,7 +1452,7 @@
 </p:notes>
 </file>
 
-<file path=ppt/notesSlides/notesSlide15.xml><?xml version="1.0" encoding="utf-8"?>
+<file path=ppt/notesSlides/notesSlide16.xml><?xml version="1.0" encoding="utf-8"?>
 <p:notes xmlns:a="http://schemas.openxmlformats.org/drawingml/2006/main" xmlns:r="http://schemas.openxmlformats.org/officeDocument/2006/relationships" xmlns:p="http://schemas.openxmlformats.org/presentationml/2006/main" showMasterSp="0" showMasterPhAnim="0">
   <p:cSld>
     <p:spTree>
@@ -1451,7 +1556,7 @@
 </p:notes>
 </file>
 
-<file path=ppt/notesSlides/notesSlide16.xml><?xml version="1.0" encoding="utf-8"?>
+<file path=ppt/notesSlides/notesSlide17.xml><?xml version="1.0" encoding="utf-8"?>
 <p:notes xmlns:a="http://schemas.openxmlformats.org/drawingml/2006/main" xmlns:r="http://schemas.openxmlformats.org/officeDocument/2006/relationships" xmlns:p="http://schemas.openxmlformats.org/presentationml/2006/main" showMasterSp="0" showMasterPhAnim="0">
   <p:cSld>
     <p:spTree>
@@ -1555,7 +1660,7 @@
 </p:notes>
 </file>
 
-<file path=ppt/notesSlides/notesSlide17.xml><?xml version="1.0" encoding="utf-8"?>
+<file path=ppt/notesSlides/notesSlide18.xml><?xml version="1.0" encoding="utf-8"?>
 <p:notes xmlns:a="http://schemas.openxmlformats.org/drawingml/2006/main" xmlns:r="http://schemas.openxmlformats.org/officeDocument/2006/relationships" xmlns:p="http://schemas.openxmlformats.org/presentationml/2006/main" showMasterSp="0" showMasterPhAnim="0">
   <p:cSld>
     <p:spTree>
@@ -1659,7 +1764,7 @@
 </p:notes>
 </file>
 
-<file path=ppt/notesSlides/notesSlide18.xml><?xml version="1.0" encoding="utf-8"?>
+<file path=ppt/notesSlides/notesSlide19.xml><?xml version="1.0" encoding="utf-8"?>
 <p:notes xmlns:a="http://schemas.openxmlformats.org/drawingml/2006/main" xmlns:r="http://schemas.openxmlformats.org/officeDocument/2006/relationships" xmlns:p="http://schemas.openxmlformats.org/presentationml/2006/main" showMasterSp="0" showMasterPhAnim="0">
   <p:cSld>
     <p:spTree>
@@ -1720,110 +1825,6 @@
       <p:sp>
         <p:nvSpPr>
           <p:cNvPr id="146" name="Google Shape;146;g1759e625ce4_0_74:notes"/>
-          <p:cNvSpPr txBox="1">
-            <a:spLocks noGrp="1"/>
-          </p:cNvSpPr>
-          <p:nvPr>
-            <p:ph type="body" idx="1"/>
-          </p:nvPr>
-        </p:nvSpPr>
-        <p:spPr>
-          <a:xfrm>
-            <a:off x="685800" y="4343400"/>
-            <a:ext cx="5486400" cy="4114800"/>
-          </a:xfrm>
-          <a:prstGeom prst="rect">
-            <a:avLst/>
-          </a:prstGeom>
-        </p:spPr>
-        <p:txBody>
-          <a:bodyPr spcFirstLastPara="1" wrap="square" lIns="91425" tIns="91425" rIns="91425" bIns="91425" anchor="t" anchorCtr="0">
-            <a:noAutofit/>
-          </a:bodyPr>
-          <a:lstStyle/>
-          <a:p>
-            <a:pPr marL="0" lvl="0" indent="0" algn="l" rtl="0">
-              <a:spcBef>
-                <a:spcPts val="0"/>
-              </a:spcBef>
-              <a:spcAft>
-                <a:spcPts val="0"/>
-              </a:spcAft>
-              <a:buNone/>
-            </a:pPr>
-            <a:endParaRPr/>
-          </a:p>
-        </p:txBody>
-      </p:sp>
-    </p:spTree>
-  </p:cSld>
-  <p:clrMapOvr>
-    <a:masterClrMapping/>
-  </p:clrMapOvr>
-</p:notes>
-</file>
-
-<file path=ppt/notesSlides/notesSlide19.xml><?xml version="1.0" encoding="utf-8"?>
-<p:notes xmlns:a="http://schemas.openxmlformats.org/drawingml/2006/main" xmlns:r="http://schemas.openxmlformats.org/officeDocument/2006/relationships" xmlns:p="http://schemas.openxmlformats.org/presentationml/2006/main" showMasterSp="0" showMasterPhAnim="0">
-  <p:cSld>
-    <p:spTree>
-      <p:nvGrpSpPr>
-        <p:cNvPr id="1" name="Shape 149"/>
-        <p:cNvGrpSpPr/>
-        <p:nvPr/>
-      </p:nvGrpSpPr>
-      <p:grpSpPr>
-        <a:xfrm>
-          <a:off x="0" y="0"/>
-          <a:ext cx="0" cy="0"/>
-          <a:chOff x="0" y="0"/>
-          <a:chExt cx="0" cy="0"/>
-        </a:xfrm>
-      </p:grpSpPr>
-      <p:sp>
-        <p:nvSpPr>
-          <p:cNvPr id="150" name="Google Shape;150;g1759e625ce4_0_92:notes"/>
-          <p:cNvSpPr>
-            <a:spLocks noGrp="1" noRot="1" noChangeAspect="1"/>
-          </p:cNvSpPr>
-          <p:nvPr>
-            <p:ph type="sldImg" idx="2"/>
-          </p:nvPr>
-        </p:nvSpPr>
-        <p:spPr>
-          <a:xfrm>
-            <a:off x="381300" y="685800"/>
-            <a:ext cx="6096000" cy="3429000"/>
-          </a:xfrm>
-          <a:custGeom>
-            <a:avLst/>
-            <a:gdLst/>
-            <a:ahLst/>
-            <a:cxnLst/>
-            <a:rect l="l" t="t" r="r" b="b"/>
-            <a:pathLst>
-              <a:path w="120000" h="120000" extrusionOk="0">
-                <a:moveTo>
-                  <a:pt x="0" y="0"/>
-                </a:moveTo>
-                <a:lnTo>
-                  <a:pt x="120000" y="0"/>
-                </a:lnTo>
-                <a:lnTo>
-                  <a:pt x="120000" y="120000"/>
-                </a:lnTo>
-                <a:lnTo>
-                  <a:pt x="0" y="120000"/>
-                </a:lnTo>
-                <a:close/>
-              </a:path>
-            </a:pathLst>
-          </a:custGeom>
-        </p:spPr>
-      </p:sp>
-      <p:sp>
-        <p:nvSpPr>
-          <p:cNvPr id="151" name="Google Shape;151;g1759e625ce4_0_92:notes"/>
           <p:cNvSpPr txBox="1">
             <a:spLocks noGrp="1"/>
           </p:cNvSpPr>
@@ -1896,7 +1897,7 @@
         </p:nvSpPr>
         <p:spPr>
           <a:xfrm>
-            <a:off x="381300" y="685800"/>
+            <a:off x="381000" y="685800"/>
             <a:ext cx="6096000" cy="3429000"/>
           </a:xfrm>
           <a:custGeom>
@@ -1972,6 +1973,110 @@
 </file>
 
 <file path=ppt/notesSlides/notesSlide20.xml><?xml version="1.0" encoding="utf-8"?>
+<p:notes xmlns:a="http://schemas.openxmlformats.org/drawingml/2006/main" xmlns:r="http://schemas.openxmlformats.org/officeDocument/2006/relationships" xmlns:p="http://schemas.openxmlformats.org/presentationml/2006/main" showMasterSp="0" showMasterPhAnim="0">
+  <p:cSld>
+    <p:spTree>
+      <p:nvGrpSpPr>
+        <p:cNvPr id="1" name="Shape 149"/>
+        <p:cNvGrpSpPr/>
+        <p:nvPr/>
+      </p:nvGrpSpPr>
+      <p:grpSpPr>
+        <a:xfrm>
+          <a:off x="0" y="0"/>
+          <a:ext cx="0" cy="0"/>
+          <a:chOff x="0" y="0"/>
+          <a:chExt cx="0" cy="0"/>
+        </a:xfrm>
+      </p:grpSpPr>
+      <p:sp>
+        <p:nvSpPr>
+          <p:cNvPr id="150" name="Google Shape;150;g1759e625ce4_0_92:notes"/>
+          <p:cNvSpPr>
+            <a:spLocks noGrp="1" noRot="1" noChangeAspect="1"/>
+          </p:cNvSpPr>
+          <p:nvPr>
+            <p:ph type="sldImg" idx="2"/>
+          </p:nvPr>
+        </p:nvSpPr>
+        <p:spPr>
+          <a:xfrm>
+            <a:off x="381300" y="685800"/>
+            <a:ext cx="6096000" cy="3429000"/>
+          </a:xfrm>
+          <a:custGeom>
+            <a:avLst/>
+            <a:gdLst/>
+            <a:ahLst/>
+            <a:cxnLst/>
+            <a:rect l="l" t="t" r="r" b="b"/>
+            <a:pathLst>
+              <a:path w="120000" h="120000" extrusionOk="0">
+                <a:moveTo>
+                  <a:pt x="0" y="0"/>
+                </a:moveTo>
+                <a:lnTo>
+                  <a:pt x="120000" y="0"/>
+                </a:lnTo>
+                <a:lnTo>
+                  <a:pt x="120000" y="120000"/>
+                </a:lnTo>
+                <a:lnTo>
+                  <a:pt x="0" y="120000"/>
+                </a:lnTo>
+                <a:close/>
+              </a:path>
+            </a:pathLst>
+          </a:custGeom>
+        </p:spPr>
+      </p:sp>
+      <p:sp>
+        <p:nvSpPr>
+          <p:cNvPr id="151" name="Google Shape;151;g1759e625ce4_0_92:notes"/>
+          <p:cNvSpPr txBox="1">
+            <a:spLocks noGrp="1"/>
+          </p:cNvSpPr>
+          <p:nvPr>
+            <p:ph type="body" idx="1"/>
+          </p:nvPr>
+        </p:nvSpPr>
+        <p:spPr>
+          <a:xfrm>
+            <a:off x="685800" y="4343400"/>
+            <a:ext cx="5486400" cy="4114800"/>
+          </a:xfrm>
+          <a:prstGeom prst="rect">
+            <a:avLst/>
+          </a:prstGeom>
+        </p:spPr>
+        <p:txBody>
+          <a:bodyPr spcFirstLastPara="1" wrap="square" lIns="91425" tIns="91425" rIns="91425" bIns="91425" anchor="t" anchorCtr="0">
+            <a:noAutofit/>
+          </a:bodyPr>
+          <a:lstStyle/>
+          <a:p>
+            <a:pPr marL="0" lvl="0" indent="0" algn="l" rtl="0">
+              <a:spcBef>
+                <a:spcPts val="0"/>
+              </a:spcBef>
+              <a:spcAft>
+                <a:spcPts val="0"/>
+              </a:spcAft>
+              <a:buNone/>
+            </a:pPr>
+            <a:endParaRPr/>
+          </a:p>
+        </p:txBody>
+      </p:sp>
+    </p:spTree>
+  </p:cSld>
+  <p:clrMapOvr>
+    <a:masterClrMapping/>
+  </p:clrMapOvr>
+</p:notes>
+</file>
+
+<file path=ppt/notesSlides/notesSlide21.xml><?xml version="1.0" encoding="utf-8"?>
 <p:notes xmlns:a="http://schemas.openxmlformats.org/drawingml/2006/main" xmlns:r="http://schemas.openxmlformats.org/officeDocument/2006/relationships" xmlns:p="http://schemas.openxmlformats.org/presentationml/2006/main" showMasterSp="0" showMasterPhAnim="0">
   <p:cSld>
     <p:spTree>
@@ -2075,7 +2180,7 @@
 </p:notes>
 </file>
 
-<file path=ppt/notesSlides/notesSlide21.xml><?xml version="1.0" encoding="utf-8"?>
+<file path=ppt/notesSlides/notesSlide22.xml><?xml version="1.0" encoding="utf-8"?>
 <p:notes xmlns:a="http://schemas.openxmlformats.org/drawingml/2006/main" xmlns:r="http://schemas.openxmlformats.org/officeDocument/2006/relationships" xmlns:p="http://schemas.openxmlformats.org/presentationml/2006/main" showMasterSp="0" showMasterPhAnim="0">
   <p:cSld>
     <p:spTree>
@@ -2179,7 +2284,7 @@
 </p:notes>
 </file>
 
-<file path=ppt/notesSlides/notesSlide22.xml><?xml version="1.0" encoding="utf-8"?>
+<file path=ppt/notesSlides/notesSlide23.xml><?xml version="1.0" encoding="utf-8"?>
 <p:notes xmlns:a="http://schemas.openxmlformats.org/drawingml/2006/main" xmlns:r="http://schemas.openxmlformats.org/officeDocument/2006/relationships" xmlns:p="http://schemas.openxmlformats.org/presentationml/2006/main" showMasterSp="0" showMasterPhAnim="0">
   <p:cSld>
     <p:spTree>
@@ -2283,7 +2388,7 @@
 </p:notes>
 </file>
 
-<file path=ppt/notesSlides/notesSlide23.xml><?xml version="1.0" encoding="utf-8"?>
+<file path=ppt/notesSlides/notesSlide24.xml><?xml version="1.0" encoding="utf-8"?>
 <p:notes xmlns:a="http://schemas.openxmlformats.org/drawingml/2006/main" xmlns:r="http://schemas.openxmlformats.org/officeDocument/2006/relationships" xmlns:p="http://schemas.openxmlformats.org/presentationml/2006/main" showMasterSp="0" showMasterPhAnim="0">
   <p:cSld>
     <p:spTree>
@@ -2392,6 +2497,115 @@
   <p:cSld>
     <p:spTree>
       <p:nvGrpSpPr>
+        <p:cNvPr id="1" name="Shape 55"/>
+        <p:cNvGrpSpPr/>
+        <p:nvPr/>
+      </p:nvGrpSpPr>
+      <p:grpSpPr>
+        <a:xfrm>
+          <a:off x="0" y="0"/>
+          <a:ext cx="0" cy="0"/>
+          <a:chOff x="0" y="0"/>
+          <a:chExt cx="0" cy="0"/>
+        </a:xfrm>
+      </p:grpSpPr>
+      <p:sp>
+        <p:nvSpPr>
+          <p:cNvPr id="56" name="Google Shape;56;g1644466a735_0_0:notes"/>
+          <p:cNvSpPr>
+            <a:spLocks noGrp="1" noRot="1" noChangeAspect="1"/>
+          </p:cNvSpPr>
+          <p:nvPr>
+            <p:ph type="sldImg" idx="2"/>
+          </p:nvPr>
+        </p:nvSpPr>
+        <p:spPr>
+          <a:xfrm>
+            <a:off x="381000" y="685800"/>
+            <a:ext cx="6096000" cy="3429000"/>
+          </a:xfrm>
+          <a:custGeom>
+            <a:avLst/>
+            <a:gdLst/>
+            <a:ahLst/>
+            <a:cxnLst/>
+            <a:rect l="l" t="t" r="r" b="b"/>
+            <a:pathLst>
+              <a:path w="120000" h="120000" extrusionOk="0">
+                <a:moveTo>
+                  <a:pt x="0" y="0"/>
+                </a:moveTo>
+                <a:lnTo>
+                  <a:pt x="120000" y="0"/>
+                </a:lnTo>
+                <a:lnTo>
+                  <a:pt x="120000" y="120000"/>
+                </a:lnTo>
+                <a:lnTo>
+                  <a:pt x="0" y="120000"/>
+                </a:lnTo>
+                <a:close/>
+              </a:path>
+            </a:pathLst>
+          </a:custGeom>
+        </p:spPr>
+      </p:sp>
+      <p:sp>
+        <p:nvSpPr>
+          <p:cNvPr id="57" name="Google Shape;57;g1644466a735_0_0:notes"/>
+          <p:cNvSpPr txBox="1">
+            <a:spLocks noGrp="1"/>
+          </p:cNvSpPr>
+          <p:nvPr>
+            <p:ph type="body" idx="1"/>
+          </p:nvPr>
+        </p:nvSpPr>
+        <p:spPr>
+          <a:xfrm>
+            <a:off x="685800" y="4343400"/>
+            <a:ext cx="5486400" cy="4114800"/>
+          </a:xfrm>
+          <a:prstGeom prst="rect">
+            <a:avLst/>
+          </a:prstGeom>
+        </p:spPr>
+        <p:txBody>
+          <a:bodyPr spcFirstLastPara="1" wrap="square" lIns="91425" tIns="91425" rIns="91425" bIns="91425" anchor="t" anchorCtr="0">
+            <a:noAutofit/>
+          </a:bodyPr>
+          <a:lstStyle/>
+          <a:p>
+            <a:pPr marL="0" lvl="0" indent="0" algn="l" rtl="0">
+              <a:spcBef>
+                <a:spcPts val="0"/>
+              </a:spcBef>
+              <a:spcAft>
+                <a:spcPts val="0"/>
+              </a:spcAft>
+              <a:buNone/>
+            </a:pPr>
+            <a:endParaRPr/>
+          </a:p>
+        </p:txBody>
+      </p:sp>
+    </p:spTree>
+    <p:extLst>
+      <p:ext uri="{BB962C8B-B14F-4D97-AF65-F5344CB8AC3E}">
+        <p14:creationId xmlns:p14="http://schemas.microsoft.com/office/powerpoint/2010/main" val="280468"/>
+      </p:ext>
+    </p:extLst>
+  </p:cSld>
+  <p:clrMapOvr>
+    <a:masterClrMapping/>
+  </p:clrMapOvr>
+</p:notes>
+</file>
+
+<file path=ppt/notesSlides/notesSlide4.xml><?xml version="1.0" encoding="utf-8"?>
+<p:notes xmlns:a="http://schemas.openxmlformats.org/drawingml/2006/main" xmlns:r="http://schemas.openxmlformats.org/officeDocument/2006/relationships" xmlns:p="http://schemas.openxmlformats.org/presentationml/2006/main" showMasterSp="0" showMasterPhAnim="0">
+  <p:cSld>
+    <p:spTree>
+      <p:nvGrpSpPr>
         <p:cNvPr id="1" name="Shape 62"/>
         <p:cNvGrpSpPr/>
         <p:nvPr/>
@@ -2491,7 +2705,7 @@
 </p:notes>
 </file>
 
-<file path=ppt/notesSlides/notesSlide4.xml><?xml version="1.0" encoding="utf-8"?>
+<file path=ppt/notesSlides/notesSlide5.xml><?xml version="1.0" encoding="utf-8"?>
 <p:notes xmlns:a="http://schemas.openxmlformats.org/drawingml/2006/main" xmlns:r="http://schemas.openxmlformats.org/officeDocument/2006/relationships" xmlns:p="http://schemas.openxmlformats.org/presentationml/2006/main" showMasterSp="0" showMasterPhAnim="0">
   <p:cSld>
     <p:spTree>
@@ -2595,7 +2809,7 @@
 </p:notes>
 </file>
 
-<file path=ppt/notesSlides/notesSlide5.xml><?xml version="1.0" encoding="utf-8"?>
+<file path=ppt/notesSlides/notesSlide6.xml><?xml version="1.0" encoding="utf-8"?>
 <p:notes xmlns:a="http://schemas.openxmlformats.org/drawingml/2006/main" xmlns:r="http://schemas.openxmlformats.org/officeDocument/2006/relationships" xmlns:p="http://schemas.openxmlformats.org/presentationml/2006/main" showMasterSp="0" showMasterPhAnim="0">
   <p:cSld>
     <p:spTree>
@@ -2699,7 +2913,7 @@
 </p:notes>
 </file>
 
-<file path=ppt/notesSlides/notesSlide6.xml><?xml version="1.0" encoding="utf-8"?>
+<file path=ppt/notesSlides/notesSlide7.xml><?xml version="1.0" encoding="utf-8"?>
 <p:notes xmlns:a="http://schemas.openxmlformats.org/drawingml/2006/main" xmlns:r="http://schemas.openxmlformats.org/officeDocument/2006/relationships" xmlns:p="http://schemas.openxmlformats.org/presentationml/2006/main" showMasterSp="0" showMasterPhAnim="0">
   <p:cSld>
     <p:spTree>
@@ -2803,7 +3017,7 @@
 </p:notes>
 </file>
 
-<file path=ppt/notesSlides/notesSlide7.xml><?xml version="1.0" encoding="utf-8"?>
+<file path=ppt/notesSlides/notesSlide8.xml><?xml version="1.0" encoding="utf-8"?>
 <p:notes xmlns:a="http://schemas.openxmlformats.org/drawingml/2006/main" xmlns:r="http://schemas.openxmlformats.org/officeDocument/2006/relationships" xmlns:p="http://schemas.openxmlformats.org/presentationml/2006/main" showMasterSp="0" showMasterPhAnim="0">
   <p:cSld>
     <p:spTree>
@@ -2907,7 +3121,7 @@
 </p:notes>
 </file>
 
-<file path=ppt/notesSlides/notesSlide8.xml><?xml version="1.0" encoding="utf-8"?>
+<file path=ppt/notesSlides/notesSlide9.xml><?xml version="1.0" encoding="utf-8"?>
 <p:notes xmlns:a="http://schemas.openxmlformats.org/drawingml/2006/main" xmlns:r="http://schemas.openxmlformats.org/officeDocument/2006/relationships" xmlns:p="http://schemas.openxmlformats.org/presentationml/2006/main" showMasterSp="0" showMasterPhAnim="0">
   <p:cSld>
     <p:spTree>
@@ -2968,110 +3182,6 @@
       <p:sp>
         <p:nvSpPr>
           <p:cNvPr id="93" name="Google Shape;93;g1759e625ce4_0_12:notes"/>
-          <p:cNvSpPr txBox="1">
-            <a:spLocks noGrp="1"/>
-          </p:cNvSpPr>
-          <p:nvPr>
-            <p:ph type="body" idx="1"/>
-          </p:nvPr>
-        </p:nvSpPr>
-        <p:spPr>
-          <a:xfrm>
-            <a:off x="685800" y="4343400"/>
-            <a:ext cx="5486400" cy="4114800"/>
-          </a:xfrm>
-          <a:prstGeom prst="rect">
-            <a:avLst/>
-          </a:prstGeom>
-        </p:spPr>
-        <p:txBody>
-          <a:bodyPr spcFirstLastPara="1" wrap="square" lIns="91425" tIns="91425" rIns="91425" bIns="91425" anchor="t" anchorCtr="0">
-            <a:noAutofit/>
-          </a:bodyPr>
-          <a:lstStyle/>
-          <a:p>
-            <a:pPr marL="0" lvl="0" indent="0" algn="l" rtl="0">
-              <a:spcBef>
-                <a:spcPts val="0"/>
-              </a:spcBef>
-              <a:spcAft>
-                <a:spcPts val="0"/>
-              </a:spcAft>
-              <a:buNone/>
-            </a:pPr>
-            <a:endParaRPr/>
-          </a:p>
-        </p:txBody>
-      </p:sp>
-    </p:spTree>
-  </p:cSld>
-  <p:clrMapOvr>
-    <a:masterClrMapping/>
-  </p:clrMapOvr>
-</p:notes>
-</file>
-
-<file path=ppt/notesSlides/notesSlide9.xml><?xml version="1.0" encoding="utf-8"?>
-<p:notes xmlns:a="http://schemas.openxmlformats.org/drawingml/2006/main" xmlns:r="http://schemas.openxmlformats.org/officeDocument/2006/relationships" xmlns:p="http://schemas.openxmlformats.org/presentationml/2006/main" showMasterSp="0" showMasterPhAnim="0">
-  <p:cSld>
-    <p:spTree>
-      <p:nvGrpSpPr>
-        <p:cNvPr id="1" name="Shape 98"/>
-        <p:cNvGrpSpPr/>
-        <p:nvPr/>
-      </p:nvGrpSpPr>
-      <p:grpSpPr>
-        <a:xfrm>
-          <a:off x="0" y="0"/>
-          <a:ext cx="0" cy="0"/>
-          <a:chOff x="0" y="0"/>
-          <a:chExt cx="0" cy="0"/>
-        </a:xfrm>
-      </p:grpSpPr>
-      <p:sp>
-        <p:nvSpPr>
-          <p:cNvPr id="99" name="Google Shape;99;g1759e625ce4_0_28:notes"/>
-          <p:cNvSpPr>
-            <a:spLocks noGrp="1" noRot="1" noChangeAspect="1"/>
-          </p:cNvSpPr>
-          <p:nvPr>
-            <p:ph type="sldImg" idx="2"/>
-          </p:nvPr>
-        </p:nvSpPr>
-        <p:spPr>
-          <a:xfrm>
-            <a:off x="381300" y="685800"/>
-            <a:ext cx="6096000" cy="3429000"/>
-          </a:xfrm>
-          <a:custGeom>
-            <a:avLst/>
-            <a:gdLst/>
-            <a:ahLst/>
-            <a:cxnLst/>
-            <a:rect l="l" t="t" r="r" b="b"/>
-            <a:pathLst>
-              <a:path w="120000" h="120000" extrusionOk="0">
-                <a:moveTo>
-                  <a:pt x="0" y="0"/>
-                </a:moveTo>
-                <a:lnTo>
-                  <a:pt x="120000" y="0"/>
-                </a:lnTo>
-                <a:lnTo>
-                  <a:pt x="120000" y="120000"/>
-                </a:lnTo>
-                <a:lnTo>
-                  <a:pt x="0" y="120000"/>
-                </a:lnTo>
-                <a:close/>
-              </a:path>
-            </a:pathLst>
-          </a:custGeom>
-        </p:spPr>
-      </p:sp>
-      <p:sp>
-        <p:nvSpPr>
-          <p:cNvPr id="100" name="Google Shape;100;g1759e625ce4_0_28:notes"/>
           <p:cNvSpPr txBox="1">
             <a:spLocks noGrp="1"/>
           </p:cNvSpPr>
@@ -7970,6 +8080,72 @@
     </p:bg>
     <p:spTree>
       <p:nvGrpSpPr>
+        <p:cNvPr id="1" name="Shape 101"/>
+        <p:cNvGrpSpPr/>
+        <p:nvPr/>
+      </p:nvGrpSpPr>
+      <p:grpSpPr>
+        <a:xfrm>
+          <a:off x="0" y="0"/>
+          <a:ext cx="0" cy="0"/>
+          <a:chOff x="0" y="0"/>
+          <a:chExt cx="0" cy="0"/>
+        </a:xfrm>
+      </p:grpSpPr>
+      <p:pic>
+        <p:nvPicPr>
+          <p:cNvPr id="102" name="Google Shape;102;p21"/>
+          <p:cNvPicPr preferRelativeResize="0"/>
+          <p:nvPr/>
+        </p:nvPicPr>
+        <p:blipFill>
+          <a:blip r:embed="rId4">
+            <a:alphaModFix/>
+          </a:blip>
+          <a:stretch>
+            <a:fillRect/>
+          </a:stretch>
+        </p:blipFill>
+        <p:spPr>
+          <a:xfrm>
+            <a:off x="534525" y="304800"/>
+            <a:ext cx="8609483" cy="4838700"/>
+          </a:xfrm>
+          <a:prstGeom prst="rect">
+            <a:avLst/>
+          </a:prstGeom>
+          <a:noFill/>
+          <a:ln>
+            <a:noFill/>
+          </a:ln>
+        </p:spPr>
+      </p:pic>
+    </p:spTree>
+  </p:cSld>
+  <p:clrMapOvr>
+    <a:masterClrMapping/>
+  </p:clrMapOvr>
+</p:sld>
+</file>
+
+<file path=ppt/slides/slide11.xml><?xml version="1.0" encoding="utf-8"?>
+<p:sld xmlns:a="http://schemas.openxmlformats.org/drawingml/2006/main" xmlns:r="http://schemas.openxmlformats.org/officeDocument/2006/relationships" xmlns:p="http://schemas.openxmlformats.org/presentationml/2006/main">
+  <p:cSld>
+    <p:bg>
+      <p:bgPr>
+        <a:blipFill>
+          <a:blip r:embed="rId3">
+            <a:alphaModFix/>
+          </a:blip>
+          <a:stretch>
+            <a:fillRect/>
+          </a:stretch>
+        </a:blipFill>
+        <a:effectLst/>
+      </p:bgPr>
+    </p:bg>
+    <p:spTree>
+      <p:nvGrpSpPr>
         <p:cNvPr id="1" name="Shape 106"/>
         <p:cNvGrpSpPr/>
         <p:nvPr/>
@@ -8018,7 +8194,7 @@
 </p:sld>
 </file>
 
-<file path=ppt/slides/slide11.xml><?xml version="1.0" encoding="utf-8"?>
+<file path=ppt/slides/slide12.xml><?xml version="1.0" encoding="utf-8"?>
 <p:sld xmlns:a="http://schemas.openxmlformats.org/drawingml/2006/main" xmlns:r="http://schemas.openxmlformats.org/officeDocument/2006/relationships" xmlns:p="http://schemas.openxmlformats.org/presentationml/2006/main">
   <p:cSld>
     <p:bg>
@@ -8084,7 +8260,7 @@
 </p:sld>
 </file>
 
-<file path=ppt/slides/slide12.xml><?xml version="1.0" encoding="utf-8"?>
+<file path=ppt/slides/slide13.xml><?xml version="1.0" encoding="utf-8"?>
 <p:sld xmlns:a="http://schemas.openxmlformats.org/drawingml/2006/main" xmlns:r="http://schemas.openxmlformats.org/officeDocument/2006/relationships" xmlns:p="http://schemas.openxmlformats.org/presentationml/2006/main">
   <p:cSld>
     <p:bg>
@@ -8150,7 +8326,7 @@
 </p:sld>
 </file>
 
-<file path=ppt/slides/slide13.xml><?xml version="1.0" encoding="utf-8"?>
+<file path=ppt/slides/slide14.xml><?xml version="1.0" encoding="utf-8"?>
 <p:sld xmlns:a="http://schemas.openxmlformats.org/drawingml/2006/main" xmlns:r="http://schemas.openxmlformats.org/officeDocument/2006/relationships" xmlns:p="http://schemas.openxmlformats.org/presentationml/2006/main">
   <p:cSld>
     <p:bg>
@@ -8216,7 +8392,7 @@
 </p:sld>
 </file>
 
-<file path=ppt/slides/slide14.xml><?xml version="1.0" encoding="utf-8"?>
+<file path=ppt/slides/slide15.xml><?xml version="1.0" encoding="utf-8"?>
 <p:sld xmlns:a="http://schemas.openxmlformats.org/drawingml/2006/main" xmlns:r="http://schemas.openxmlformats.org/officeDocument/2006/relationships" xmlns:p="http://schemas.openxmlformats.org/presentationml/2006/main">
   <p:cSld>
     <p:bg>
@@ -8334,7 +8510,7 @@
 </p:sld>
 </file>
 
-<file path=ppt/slides/slide15.xml><?xml version="1.0" encoding="utf-8"?>
+<file path=ppt/slides/slide16.xml><?xml version="1.0" encoding="utf-8"?>
 <p:sld xmlns:a="http://schemas.openxmlformats.org/drawingml/2006/main" xmlns:r="http://schemas.openxmlformats.org/officeDocument/2006/relationships" xmlns:p="http://schemas.openxmlformats.org/presentationml/2006/main">
   <p:cSld>
     <p:bg>
@@ -8400,7 +8576,7 @@
 </p:sld>
 </file>
 
-<file path=ppt/slides/slide16.xml><?xml version="1.0" encoding="utf-8"?>
+<file path=ppt/slides/slide17.xml><?xml version="1.0" encoding="utf-8"?>
 <p:sld xmlns:a="http://schemas.openxmlformats.org/drawingml/2006/main" xmlns:r="http://schemas.openxmlformats.org/officeDocument/2006/relationships" xmlns:p="http://schemas.openxmlformats.org/presentationml/2006/main">
   <p:cSld>
     <p:bg>
@@ -8466,7 +8642,7 @@
 </p:sld>
 </file>
 
-<file path=ppt/slides/slide17.xml><?xml version="1.0" encoding="utf-8"?>
+<file path=ppt/slides/slide18.xml><?xml version="1.0" encoding="utf-8"?>
 <p:sld xmlns:a="http://schemas.openxmlformats.org/drawingml/2006/main" xmlns:r="http://schemas.openxmlformats.org/officeDocument/2006/relationships" xmlns:p="http://schemas.openxmlformats.org/presentationml/2006/main">
   <p:cSld>
     <p:bg>
@@ -8949,7 +9125,7 @@
 </p:sld>
 </file>
 
-<file path=ppt/slides/slide18.xml><?xml version="1.0" encoding="utf-8"?>
+<file path=ppt/slides/slide19.xml><?xml version="1.0" encoding="utf-8"?>
 <p:sld xmlns:a="http://schemas.openxmlformats.org/drawingml/2006/main" xmlns:r="http://schemas.openxmlformats.org/officeDocument/2006/relationships" xmlns:p="http://schemas.openxmlformats.org/presentationml/2006/main">
   <p:cSld>
     <p:bg>
@@ -8997,99 +9173,6 @@
           <a:xfrm>
             <a:off x="152400" y="152400"/>
             <a:ext cx="8609483" cy="4838700"/>
-          </a:xfrm>
-          <a:prstGeom prst="rect">
-            <a:avLst/>
-          </a:prstGeom>
-          <a:noFill/>
-          <a:ln>
-            <a:noFill/>
-          </a:ln>
-        </p:spPr>
-      </p:pic>
-    </p:spTree>
-  </p:cSld>
-  <p:clrMapOvr>
-    <a:masterClrMapping/>
-  </p:clrMapOvr>
-</p:sld>
-</file>
-
-<file path=ppt/slides/slide19.xml><?xml version="1.0" encoding="utf-8"?>
-<p:sld xmlns:a="http://schemas.openxmlformats.org/drawingml/2006/main" xmlns:r="http://schemas.openxmlformats.org/officeDocument/2006/relationships" xmlns:p="http://schemas.openxmlformats.org/presentationml/2006/main">
-  <p:cSld>
-    <p:bg>
-      <p:bgPr>
-        <a:blipFill>
-          <a:blip r:embed="rId3">
-            <a:alphaModFix/>
-          </a:blip>
-          <a:stretch>
-            <a:fillRect/>
-          </a:stretch>
-        </a:blipFill>
-        <a:effectLst/>
-      </p:bgPr>
-    </p:bg>
-    <p:spTree>
-      <p:nvGrpSpPr>
-        <p:cNvPr id="1" name="Shape 152"/>
-        <p:cNvGrpSpPr/>
-        <p:nvPr/>
-      </p:nvGrpSpPr>
-      <p:grpSpPr>
-        <a:xfrm>
-          <a:off x="0" y="0"/>
-          <a:ext cx="0" cy="0"/>
-          <a:chOff x="0" y="0"/>
-          <a:chExt cx="0" cy="0"/>
-        </a:xfrm>
-      </p:grpSpPr>
-      <p:pic>
-        <p:nvPicPr>
-          <p:cNvPr id="153" name="Google Shape;153;p30"/>
-          <p:cNvPicPr preferRelativeResize="0"/>
-          <p:nvPr/>
-        </p:nvPicPr>
-        <p:blipFill>
-          <a:blip r:embed="rId4">
-            <a:alphaModFix/>
-          </a:blip>
-          <a:stretch>
-            <a:fillRect/>
-          </a:stretch>
-        </p:blipFill>
-        <p:spPr>
-          <a:xfrm>
-            <a:off x="152400" y="152400"/>
-            <a:ext cx="8609483" cy="4838700"/>
-          </a:xfrm>
-          <a:prstGeom prst="rect">
-            <a:avLst/>
-          </a:prstGeom>
-          <a:noFill/>
-          <a:ln>
-            <a:noFill/>
-          </a:ln>
-        </p:spPr>
-      </p:pic>
-      <p:pic>
-        <p:nvPicPr>
-          <p:cNvPr id="154" name="Google Shape;154;p30"/>
-          <p:cNvPicPr preferRelativeResize="0"/>
-          <p:nvPr/>
-        </p:nvPicPr>
-        <p:blipFill rotWithShape="1">
-          <a:blip r:embed="rId5">
-            <a:alphaModFix/>
-          </a:blip>
-          <a:srcRect r="2610"/>
-          <a:stretch/>
-        </p:blipFill>
-        <p:spPr>
-          <a:xfrm>
-            <a:off x="5250075" y="68325"/>
-            <a:ext cx="3821925" cy="2152650"/>
           </a:xfrm>
           <a:prstGeom prst="rect">
             <a:avLst/>
@@ -9166,9 +9249,243 @@
           </a:ln>
         </p:spPr>
       </p:cxnSp>
+      <p:sp>
+        <p:nvSpPr>
+          <p:cNvPr id="5" name="TextBox 4">
+            <a:extLst>
+              <a:ext uri="{FF2B5EF4-FFF2-40B4-BE49-F238E27FC236}">
+                <a16:creationId xmlns:a16="http://schemas.microsoft.com/office/drawing/2014/main" id="{E0C68F17-D591-425A-9DF8-E44686CE209F}"/>
+              </a:ext>
+            </a:extLst>
+          </p:cNvPr>
+          <p:cNvSpPr txBox="1"/>
+          <p:nvPr/>
+        </p:nvSpPr>
+        <p:spPr>
+          <a:xfrm>
+            <a:off x="634408" y="456707"/>
+            <a:ext cx="8211879" cy="4708981"/>
+          </a:xfrm>
+          <a:prstGeom prst="rect">
+            <a:avLst/>
+          </a:prstGeom>
+          <a:solidFill>
+            <a:schemeClr val="bg1"/>
+          </a:solidFill>
+        </p:spPr>
+        <p:txBody>
+          <a:bodyPr wrap="square">
+            <a:spAutoFit/>
+          </a:bodyPr>
+          <a:lstStyle/>
+          <a:p>
+            <a:endParaRPr lang="en-US" dirty="0"/>
+          </a:p>
+          <a:p>
+            <a:r>
+              <a:rPr lang="ru-RU" sz="2800" dirty="0"/>
+              <a:t>Откроем документ по ссылке.</a:t>
+            </a:r>
+          </a:p>
+          <a:p>
+            <a:endParaRPr lang="ru-RU" sz="2800" dirty="0"/>
+          </a:p>
+          <a:p>
+            <a:r>
+              <a:rPr lang="ru-RU" sz="2400" dirty="0"/>
+              <a:t>Сохраним копию к себе.</a:t>
+            </a:r>
+          </a:p>
+          <a:p>
+            <a:r>
+              <a:rPr lang="ru-RU" sz="2400" dirty="0"/>
+              <a:t>В течении урока заносим изученный тег в таблицу</a:t>
+            </a:r>
+            <a:endParaRPr lang="en-US" sz="1200" dirty="0"/>
+          </a:p>
+          <a:p>
+            <a:endParaRPr lang="en-US" dirty="0"/>
+          </a:p>
+          <a:p>
+            <a:r>
+              <a:rPr lang="ru-RU" sz="1200" dirty="0">
+                <a:solidFill>
+                  <a:schemeClr val="accent1"/>
+                </a:solidFill>
+                <a:hlinkClick r:id="rId4"/>
+              </a:rPr>
+              <a:t>https://docs.google.com/document/d/1xtR7LfBLF7su-WjswiZvGjNbwhUNMAkQyDwLFg24Hoc/edit?usp=sharing</a:t>
+            </a:r>
+            <a:endParaRPr lang="ru-RU" sz="1200" dirty="0">
+              <a:solidFill>
+                <a:schemeClr val="accent1"/>
+              </a:solidFill>
+            </a:endParaRPr>
+          </a:p>
+          <a:p>
+            <a:endParaRPr lang="ru-RU" sz="1200" dirty="0">
+              <a:solidFill>
+                <a:schemeClr val="accent1"/>
+              </a:solidFill>
+            </a:endParaRPr>
+          </a:p>
+          <a:p>
+            <a:endParaRPr lang="ru-RU" sz="1200" dirty="0">
+              <a:solidFill>
+                <a:schemeClr val="accent1"/>
+              </a:solidFill>
+            </a:endParaRPr>
+          </a:p>
+          <a:p>
+            <a:endParaRPr lang="ru-RU" sz="1200" dirty="0">
+              <a:solidFill>
+                <a:schemeClr val="accent1"/>
+              </a:solidFill>
+            </a:endParaRPr>
+          </a:p>
+          <a:p>
+            <a:endParaRPr lang="ru-RU" sz="1200" dirty="0">
+              <a:solidFill>
+                <a:schemeClr val="accent1"/>
+              </a:solidFill>
+            </a:endParaRPr>
+          </a:p>
+          <a:p>
+            <a:endParaRPr lang="ru-RU" sz="1200" dirty="0">
+              <a:solidFill>
+                <a:schemeClr val="accent1"/>
+              </a:solidFill>
+            </a:endParaRPr>
+          </a:p>
+          <a:p>
+            <a:endParaRPr lang="ru-RU" sz="1200" dirty="0">
+              <a:solidFill>
+                <a:schemeClr val="accent1"/>
+              </a:solidFill>
+            </a:endParaRPr>
+          </a:p>
+          <a:p>
+            <a:endParaRPr lang="ru-RU" sz="1200" dirty="0">
+              <a:solidFill>
+                <a:schemeClr val="accent1"/>
+              </a:solidFill>
+            </a:endParaRPr>
+          </a:p>
+          <a:p>
+            <a:endParaRPr lang="ru-RU" sz="1200" dirty="0">
+              <a:solidFill>
+                <a:schemeClr val="accent1"/>
+              </a:solidFill>
+            </a:endParaRPr>
+          </a:p>
+          <a:p>
+            <a:endParaRPr lang="ru-RU" sz="1200" dirty="0">
+              <a:solidFill>
+                <a:schemeClr val="accent1"/>
+              </a:solidFill>
+            </a:endParaRPr>
+          </a:p>
+          <a:p>
+            <a:endParaRPr lang="ru-RU" sz="1200" dirty="0">
+              <a:solidFill>
+                <a:schemeClr val="accent1"/>
+              </a:solidFill>
+            </a:endParaRPr>
+          </a:p>
+          <a:p>
+            <a:endParaRPr lang="ru-RU" sz="1200" dirty="0">
+              <a:solidFill>
+                <a:schemeClr val="accent1"/>
+              </a:solidFill>
+            </a:endParaRPr>
+          </a:p>
+          <a:p>
+            <a:endParaRPr lang="ru-RU" sz="1200" dirty="0">
+              <a:solidFill>
+                <a:schemeClr val="accent1"/>
+              </a:solidFill>
+            </a:endParaRPr>
+          </a:p>
+          <a:p>
+            <a:endParaRPr lang="ru-RU" sz="1200" dirty="0">
+              <a:solidFill>
+                <a:schemeClr val="accent1"/>
+              </a:solidFill>
+            </a:endParaRPr>
+          </a:p>
+        </p:txBody>
+      </p:sp>
       <p:pic>
         <p:nvPicPr>
-          <p:cNvPr id="61" name="Google Shape;61;p14"/>
+          <p:cNvPr id="4" name="Рисунок 3">
+            <a:extLst>
+              <a:ext uri="{FF2B5EF4-FFF2-40B4-BE49-F238E27FC236}">
+                <a16:creationId xmlns:a16="http://schemas.microsoft.com/office/drawing/2014/main" id="{AF5CFCEF-BCCF-4429-97CD-7CFF81A23EF5}"/>
+              </a:ext>
+            </a:extLst>
+          </p:cNvPr>
+          <p:cNvPicPr>
+            <a:picLocks noChangeAspect="1"/>
+          </p:cNvPicPr>
+          <p:nvPr/>
+        </p:nvPicPr>
+        <p:blipFill>
+          <a:blip r:embed="rId5"/>
+          <a:stretch>
+            <a:fillRect/>
+          </a:stretch>
+        </p:blipFill>
+        <p:spPr>
+          <a:xfrm>
+            <a:off x="634408" y="2831573"/>
+            <a:ext cx="3838890" cy="2375722"/>
+          </a:xfrm>
+          <a:prstGeom prst="rect">
+            <a:avLst/>
+          </a:prstGeom>
+        </p:spPr>
+      </p:pic>
+    </p:spTree>
+  </p:cSld>
+  <p:clrMapOvr>
+    <a:masterClrMapping/>
+  </p:clrMapOvr>
+</p:sld>
+</file>
+
+<file path=ppt/slides/slide20.xml><?xml version="1.0" encoding="utf-8"?>
+<p:sld xmlns:a="http://schemas.openxmlformats.org/drawingml/2006/main" xmlns:r="http://schemas.openxmlformats.org/officeDocument/2006/relationships" xmlns:p="http://schemas.openxmlformats.org/presentationml/2006/main">
+  <p:cSld>
+    <p:bg>
+      <p:bgPr>
+        <a:blipFill>
+          <a:blip r:embed="rId3">
+            <a:alphaModFix/>
+          </a:blip>
+          <a:stretch>
+            <a:fillRect/>
+          </a:stretch>
+        </a:blipFill>
+        <a:effectLst/>
+      </p:bgPr>
+    </p:bg>
+    <p:spTree>
+      <p:nvGrpSpPr>
+        <p:cNvPr id="1" name="Shape 152"/>
+        <p:cNvGrpSpPr/>
+        <p:nvPr/>
+      </p:nvGrpSpPr>
+      <p:grpSpPr>
+        <a:xfrm>
+          <a:off x="0" y="0"/>
+          <a:ext cx="0" cy="0"/>
+          <a:chOff x="0" y="0"/>
+          <a:chExt cx="0" cy="0"/>
+        </a:xfrm>
+      </p:grpSpPr>
+      <p:pic>
+        <p:nvPicPr>
+          <p:cNvPr id="153" name="Google Shape;153;p30"/>
           <p:cNvPicPr preferRelativeResize="0"/>
           <p:nvPr/>
         </p:nvPicPr>
@@ -9182,8 +9499,35 @@
         </p:blipFill>
         <p:spPr>
           <a:xfrm>
-            <a:off x="621725" y="212875"/>
-            <a:ext cx="8394225" cy="4717725"/>
+            <a:off x="152400" y="152400"/>
+            <a:ext cx="8609483" cy="4838700"/>
+          </a:xfrm>
+          <a:prstGeom prst="rect">
+            <a:avLst/>
+          </a:prstGeom>
+          <a:noFill/>
+          <a:ln>
+            <a:noFill/>
+          </a:ln>
+        </p:spPr>
+      </p:pic>
+      <p:pic>
+        <p:nvPicPr>
+          <p:cNvPr id="154" name="Google Shape;154;p30"/>
+          <p:cNvPicPr preferRelativeResize="0"/>
+          <p:nvPr/>
+        </p:nvPicPr>
+        <p:blipFill rotWithShape="1">
+          <a:blip r:embed="rId5">
+            <a:alphaModFix/>
+          </a:blip>
+          <a:srcRect r="2610"/>
+          <a:stretch/>
+        </p:blipFill>
+        <p:spPr>
+          <a:xfrm>
+            <a:off x="5250075" y="68325"/>
+            <a:ext cx="3821925" cy="2152650"/>
           </a:xfrm>
           <a:prstGeom prst="rect">
             <a:avLst/>
@@ -9202,7 +9546,7 @@
 </p:sld>
 </file>
 
-<file path=ppt/slides/slide20.xml><?xml version="1.0" encoding="utf-8"?>
+<file path=ppt/slides/slide21.xml><?xml version="1.0" encoding="utf-8"?>
 <p:sld xmlns:a="http://schemas.openxmlformats.org/drawingml/2006/main" xmlns:r="http://schemas.openxmlformats.org/officeDocument/2006/relationships" xmlns:p="http://schemas.openxmlformats.org/presentationml/2006/main">
   <p:cSld>
     <p:bg>
@@ -9323,7 +9667,7 @@
 </p:sld>
 </file>
 
-<file path=ppt/slides/slide21.xml><?xml version="1.0" encoding="utf-8"?>
+<file path=ppt/slides/slide22.xml><?xml version="1.0" encoding="utf-8"?>
 <p:sld xmlns:a="http://schemas.openxmlformats.org/drawingml/2006/main" xmlns:r="http://schemas.openxmlformats.org/officeDocument/2006/relationships" xmlns:p="http://schemas.openxmlformats.org/presentationml/2006/main">
   <p:cSld>
     <p:bg>
@@ -9389,7 +9733,7 @@
 </p:sld>
 </file>
 
-<file path=ppt/slides/slide22.xml><?xml version="1.0" encoding="utf-8"?>
+<file path=ppt/slides/slide23.xml><?xml version="1.0" encoding="utf-8"?>
 <p:sld xmlns:a="http://schemas.openxmlformats.org/drawingml/2006/main" xmlns:r="http://schemas.openxmlformats.org/officeDocument/2006/relationships" xmlns:p="http://schemas.openxmlformats.org/presentationml/2006/main">
   <p:cSld>
     <p:bg>
@@ -9482,7 +9826,7 @@
 </p:sld>
 </file>
 
-<file path=ppt/slides/slide23.xml><?xml version="1.0" encoding="utf-8"?>
+<file path=ppt/slides/slide24.xml><?xml version="1.0" encoding="utf-8"?>
 <p:sld xmlns:a="http://schemas.openxmlformats.org/drawingml/2006/main" xmlns:r="http://schemas.openxmlformats.org/officeDocument/2006/relationships" xmlns:p="http://schemas.openxmlformats.org/presentationml/2006/main">
   <p:cSld>
     <p:bg>
@@ -9566,6 +9910,105 @@
     </p:bg>
     <p:spTree>
       <p:nvGrpSpPr>
+        <p:cNvPr id="1" name="Shape 58"/>
+        <p:cNvGrpSpPr/>
+        <p:nvPr/>
+      </p:nvGrpSpPr>
+      <p:grpSpPr>
+        <a:xfrm>
+          <a:off x="0" y="0"/>
+          <a:ext cx="0" cy="0"/>
+          <a:chOff x="0" y="0"/>
+          <a:chExt cx="0" cy="0"/>
+        </a:xfrm>
+      </p:grpSpPr>
+      <p:cxnSp>
+        <p:nvCxnSpPr>
+          <p:cNvPr id="59" name="Google Shape;59;p14"/>
+          <p:cNvCxnSpPr>
+            <a:stCxn id="60" idx="1"/>
+          </p:cNvCxnSpPr>
+          <p:nvPr/>
+        </p:nvCxnSpPr>
+        <p:spPr>
+          <a:xfrm flipH="1">
+            <a:off x="4161500" y="2479175"/>
+            <a:ext cx="23700" cy="2370600"/>
+          </a:xfrm>
+          <a:prstGeom prst="straightConnector1">
+            <a:avLst/>
+          </a:prstGeom>
+          <a:noFill/>
+          <a:ln w="76200" cap="flat" cmpd="sng">
+            <a:solidFill>
+              <a:schemeClr val="dk2"/>
+            </a:solidFill>
+            <a:prstDash val="solid"/>
+            <a:round/>
+            <a:headEnd type="none" w="med" len="med"/>
+            <a:tailEnd type="none" w="med" len="med"/>
+          </a:ln>
+        </p:spPr>
+      </p:cxnSp>
+      <p:pic>
+        <p:nvPicPr>
+          <p:cNvPr id="61" name="Google Shape;61;p14"/>
+          <p:cNvPicPr preferRelativeResize="0"/>
+          <p:nvPr/>
+        </p:nvPicPr>
+        <p:blipFill>
+          <a:blip r:embed="rId4">
+            <a:alphaModFix/>
+          </a:blip>
+          <a:stretch>
+            <a:fillRect/>
+          </a:stretch>
+        </p:blipFill>
+        <p:spPr>
+          <a:xfrm>
+            <a:off x="621725" y="212875"/>
+            <a:ext cx="8394225" cy="4717725"/>
+          </a:xfrm>
+          <a:prstGeom prst="rect">
+            <a:avLst/>
+          </a:prstGeom>
+          <a:noFill/>
+          <a:ln>
+            <a:noFill/>
+          </a:ln>
+        </p:spPr>
+      </p:pic>
+    </p:spTree>
+    <p:extLst>
+      <p:ext uri="{BB962C8B-B14F-4D97-AF65-F5344CB8AC3E}">
+        <p14:creationId xmlns:p14="http://schemas.microsoft.com/office/powerpoint/2010/main" val="71646563"/>
+      </p:ext>
+    </p:extLst>
+  </p:cSld>
+  <p:clrMapOvr>
+    <a:masterClrMapping/>
+  </p:clrMapOvr>
+</p:sld>
+</file>
+
+<file path=ppt/slides/slide4.xml><?xml version="1.0" encoding="utf-8"?>
+<p:sld xmlns:a="http://schemas.openxmlformats.org/drawingml/2006/main" xmlns:r="http://schemas.openxmlformats.org/officeDocument/2006/relationships" xmlns:p="http://schemas.openxmlformats.org/presentationml/2006/main">
+  <p:cSld>
+    <p:bg>
+      <p:bgPr>
+        <a:blipFill>
+          <a:blip r:embed="rId3">
+            <a:alphaModFix/>
+          </a:blip>
+          <a:stretch>
+            <a:fillRect/>
+          </a:stretch>
+        </a:blipFill>
+        <a:effectLst/>
+      </p:bgPr>
+    </p:bg>
+    <p:spTree>
+      <p:nvGrpSpPr>
         <p:cNvPr id="1" name="Shape 65"/>
         <p:cNvGrpSpPr/>
         <p:nvPr/>
@@ -9641,7 +10084,7 @@
 </p:sld>
 </file>
 
-<file path=ppt/slides/slide4.xml><?xml version="1.0" encoding="utf-8"?>
+<file path=ppt/slides/slide5.xml><?xml version="1.0" encoding="utf-8"?>
 <p:sld xmlns:a="http://schemas.openxmlformats.org/drawingml/2006/main" xmlns:r="http://schemas.openxmlformats.org/officeDocument/2006/relationships" xmlns:p="http://schemas.openxmlformats.org/presentationml/2006/main">
   <p:cSld>
     <p:bg>
@@ -9707,7 +10150,7 @@
 </p:sld>
 </file>
 
-<file path=ppt/slides/slide5.xml><?xml version="1.0" encoding="utf-8"?>
+<file path=ppt/slides/slide6.xml><?xml version="1.0" encoding="utf-8"?>
 <p:sld xmlns:a="http://schemas.openxmlformats.org/drawingml/2006/main" xmlns:r="http://schemas.openxmlformats.org/officeDocument/2006/relationships" xmlns:p="http://schemas.openxmlformats.org/presentationml/2006/main">
   <p:cSld>
     <p:bg>
@@ -9772,7 +10215,7 @@
 </p:sld>
 </file>
 
-<file path=ppt/slides/slide6.xml><?xml version="1.0" encoding="utf-8"?>
+<file path=ppt/slides/slide7.xml><?xml version="1.0" encoding="utf-8"?>
 <p:sld xmlns:a="http://schemas.openxmlformats.org/drawingml/2006/main" xmlns:r="http://schemas.openxmlformats.org/officeDocument/2006/relationships" xmlns:p="http://schemas.openxmlformats.org/presentationml/2006/main">
   <p:cSld>
     <p:bg>
@@ -9890,7 +10333,7 @@
 </p:sld>
 </file>
 
-<file path=ppt/slides/slide7.xml><?xml version="1.0" encoding="utf-8"?>
+<file path=ppt/slides/slide8.xml><?xml version="1.0" encoding="utf-8"?>
 <p:sld xmlns:a="http://schemas.openxmlformats.org/drawingml/2006/main" xmlns:r="http://schemas.openxmlformats.org/officeDocument/2006/relationships" xmlns:p="http://schemas.openxmlformats.org/presentationml/2006/main">
   <p:cSld>
     <p:bg>
@@ -9984,7 +10427,7 @@
 </p:sld>
 </file>
 
-<file path=ppt/slides/slide8.xml><?xml version="1.0" encoding="utf-8"?>
+<file path=ppt/slides/slide9.xml><?xml version="1.0" encoding="utf-8"?>
 <p:sld xmlns:a="http://schemas.openxmlformats.org/drawingml/2006/main" xmlns:r="http://schemas.openxmlformats.org/officeDocument/2006/relationships" xmlns:p="http://schemas.openxmlformats.org/presentationml/2006/main">
   <p:cSld>
     <p:bg>
@@ -10200,72 +10643,6 @@
           <a:xfrm>
             <a:off x="152400" y="2886150"/>
             <a:ext cx="8839200" cy="883117"/>
-          </a:xfrm>
-          <a:prstGeom prst="rect">
-            <a:avLst/>
-          </a:prstGeom>
-          <a:noFill/>
-          <a:ln>
-            <a:noFill/>
-          </a:ln>
-        </p:spPr>
-      </p:pic>
-    </p:spTree>
-  </p:cSld>
-  <p:clrMapOvr>
-    <a:masterClrMapping/>
-  </p:clrMapOvr>
-</p:sld>
-</file>
-
-<file path=ppt/slides/slide9.xml><?xml version="1.0" encoding="utf-8"?>
-<p:sld xmlns:a="http://schemas.openxmlformats.org/drawingml/2006/main" xmlns:r="http://schemas.openxmlformats.org/officeDocument/2006/relationships" xmlns:p="http://schemas.openxmlformats.org/presentationml/2006/main">
-  <p:cSld>
-    <p:bg>
-      <p:bgPr>
-        <a:blipFill>
-          <a:blip r:embed="rId3">
-            <a:alphaModFix/>
-          </a:blip>
-          <a:stretch>
-            <a:fillRect/>
-          </a:stretch>
-        </a:blipFill>
-        <a:effectLst/>
-      </p:bgPr>
-    </p:bg>
-    <p:spTree>
-      <p:nvGrpSpPr>
-        <p:cNvPr id="1" name="Shape 101"/>
-        <p:cNvGrpSpPr/>
-        <p:nvPr/>
-      </p:nvGrpSpPr>
-      <p:grpSpPr>
-        <a:xfrm>
-          <a:off x="0" y="0"/>
-          <a:ext cx="0" cy="0"/>
-          <a:chOff x="0" y="0"/>
-          <a:chExt cx="0" cy="0"/>
-        </a:xfrm>
-      </p:grpSpPr>
-      <p:pic>
-        <p:nvPicPr>
-          <p:cNvPr id="102" name="Google Shape;102;p21"/>
-          <p:cNvPicPr preferRelativeResize="0"/>
-          <p:nvPr/>
-        </p:nvPicPr>
-        <p:blipFill>
-          <a:blip r:embed="rId4">
-            <a:alphaModFix/>
-          </a:blip>
-          <a:stretch>
-            <a:fillRect/>
-          </a:stretch>
-        </p:blipFill>
-        <p:spPr>
-          <a:xfrm>
-            <a:off x="534525" y="304800"/>
-            <a:ext cx="8609483" cy="4838700"/>
           </a:xfrm>
           <a:prstGeom prst="rect">
             <a:avLst/>

--- a/Презентации/3 Урок.Контекстные теги.pptx
+++ b/Презентации/3 Урок.Контекстные теги.pptx
@@ -5,7 +5,7 @@
     <p:sldMasterId id="2147483659" r:id="rId1"/>
   </p:sldMasterIdLst>
   <p:notesMasterIdLst>
-    <p:notesMasterId r:id="rId26"/>
+    <p:notesMasterId r:id="rId27"/>
   </p:notesMasterIdLst>
   <p:sldIdLst>
     <p:sldId id="256" r:id="rId2"/>
@@ -32,6 +32,7 @@
     <p:sldId id="275" r:id="rId23"/>
     <p:sldId id="276" r:id="rId24"/>
     <p:sldId id="277" r:id="rId25"/>
+    <p:sldId id="280" r:id="rId26"/>
   </p:sldIdLst>
   <p:sldSz cx="9144000" cy="5143500" type="screen16x9"/>
   <p:notesSz cx="6858000" cy="9144000"/>
@@ -9892,6 +9893,185 @@
 </p:sld>
 </file>
 
+<file path=ppt/slides/slide25.xml><?xml version="1.0" encoding="utf-8"?>
+<p:sld xmlns:a="http://schemas.openxmlformats.org/drawingml/2006/main" xmlns:r="http://schemas.openxmlformats.org/officeDocument/2006/relationships" xmlns:p="http://schemas.openxmlformats.org/presentationml/2006/main">
+  <p:cSld>
+    <p:spTree>
+      <p:nvGrpSpPr>
+        <p:cNvPr id="1" name=""/>
+        <p:cNvGrpSpPr/>
+        <p:nvPr/>
+      </p:nvGrpSpPr>
+      <p:grpSpPr>
+        <a:xfrm>
+          <a:off x="0" y="0"/>
+          <a:ext cx="0" cy="0"/>
+          <a:chOff x="0" y="0"/>
+          <a:chExt cx="0" cy="0"/>
+        </a:xfrm>
+      </p:grpSpPr>
+      <p:sp>
+        <p:nvSpPr>
+          <p:cNvPr id="2" name="Заголовок 1">
+            <a:extLst>
+              <a:ext uri="{FF2B5EF4-FFF2-40B4-BE49-F238E27FC236}">
+                <a16:creationId xmlns:a16="http://schemas.microsoft.com/office/drawing/2014/main" id="{4BE1D30B-626F-429C-990A-2DE6A3FBE23A}"/>
+              </a:ext>
+            </a:extLst>
+          </p:cNvPr>
+          <p:cNvSpPr>
+            <a:spLocks noGrp="1"/>
+          </p:cNvSpPr>
+          <p:nvPr>
+            <p:ph type="title"/>
+          </p:nvPr>
+        </p:nvSpPr>
+        <p:spPr>
+          <a:xfrm>
+            <a:off x="311699" y="555600"/>
+            <a:ext cx="7868281" cy="755700"/>
+          </a:xfrm>
+        </p:spPr>
+        <p:txBody>
+          <a:bodyPr/>
+          <a:lstStyle/>
+          <a:p>
+            <a:r>
+              <a:rPr lang="ru-RU" dirty="0"/>
+              <a:t>Доп. задание</a:t>
+            </a:r>
+          </a:p>
+        </p:txBody>
+      </p:sp>
+      <p:sp>
+        <p:nvSpPr>
+          <p:cNvPr id="3" name="Текст 2">
+            <a:extLst>
+              <a:ext uri="{FF2B5EF4-FFF2-40B4-BE49-F238E27FC236}">
+                <a16:creationId xmlns:a16="http://schemas.microsoft.com/office/drawing/2014/main" id="{D454ED51-AD99-41FF-ADF1-52A957575598}"/>
+              </a:ext>
+            </a:extLst>
+          </p:cNvPr>
+          <p:cNvSpPr>
+            <a:spLocks noGrp="1"/>
+          </p:cNvSpPr>
+          <p:nvPr>
+            <p:ph type="body" idx="1"/>
+          </p:nvPr>
+        </p:nvSpPr>
+        <p:spPr>
+          <a:xfrm>
+            <a:off x="311699" y="1389600"/>
+            <a:ext cx="8697621" cy="3179400"/>
+          </a:xfrm>
+        </p:spPr>
+        <p:txBody>
+          <a:bodyPr/>
+          <a:lstStyle/>
+          <a:p>
+            <a:r>
+              <a:rPr lang="ru-RU" dirty="0"/>
+              <a:t>Открыть сайт </a:t>
+            </a:r>
+            <a:r>
+              <a:rPr lang="en-US" dirty="0"/>
+              <a:t>HCDEV.RU</a:t>
+            </a:r>
+            <a:endParaRPr lang="ru-RU" dirty="0"/>
+          </a:p>
+          <a:p>
+            <a:pPr lvl="1"/>
+            <a:r>
+              <a:rPr lang="ru-RU" dirty="0"/>
+              <a:t>Изучить свойство </a:t>
+            </a:r>
+            <a:r>
+              <a:rPr lang="en-US" dirty="0"/>
+              <a:t>width</a:t>
+            </a:r>
+            <a:endParaRPr lang="ru-RU" dirty="0"/>
+          </a:p>
+          <a:p>
+            <a:pPr lvl="1"/>
+            <a:r>
+              <a:rPr lang="ru-RU" dirty="0"/>
+              <a:t>Изучить свойство </a:t>
+            </a:r>
+            <a:r>
+              <a:rPr lang="en-US" dirty="0"/>
+              <a:t>height</a:t>
+            </a:r>
+            <a:endParaRPr lang="ru-RU" dirty="0"/>
+          </a:p>
+          <a:p>
+            <a:pPr lvl="1"/>
+            <a:r>
+              <a:rPr lang="ru-RU" dirty="0"/>
+              <a:t>Изучить свойство </a:t>
+            </a:r>
+            <a:r>
+              <a:rPr lang="en-US" dirty="0"/>
+              <a:t>background-image</a:t>
+            </a:r>
+            <a:endParaRPr lang="ru-RU" dirty="0"/>
+          </a:p>
+          <a:p>
+            <a:pPr marL="152400" indent="0">
+              <a:buNone/>
+            </a:pPr>
+            <a:endParaRPr lang="ru-RU" dirty="0"/>
+          </a:p>
+          <a:p>
+            <a:r>
+              <a:rPr lang="ru-RU" dirty="0"/>
+              <a:t>Применить для картинки свойство </a:t>
+            </a:r>
+            <a:r>
+              <a:rPr lang="en-US" dirty="0"/>
+              <a:t>background-image</a:t>
+            </a:r>
+            <a:r>
+              <a:rPr lang="ru-RU" dirty="0"/>
+              <a:t> для всей страницы</a:t>
+            </a:r>
+          </a:p>
+          <a:p>
+            <a:endParaRPr lang="ru-RU" dirty="0"/>
+          </a:p>
+          <a:p>
+            <a:endParaRPr lang="ru-RU" dirty="0"/>
+          </a:p>
+          <a:p>
+            <a:endParaRPr lang="en-US" dirty="0"/>
+          </a:p>
+          <a:p>
+            <a:endParaRPr lang="ru-RU" dirty="0"/>
+          </a:p>
+          <a:p>
+            <a:pPr lvl="1"/>
+            <a:endParaRPr lang="ru-RU" dirty="0"/>
+          </a:p>
+          <a:p>
+            <a:pPr marL="609600" lvl="1" indent="0">
+              <a:buNone/>
+            </a:pPr>
+            <a:endParaRPr lang="ru-RU" dirty="0"/>
+          </a:p>
+        </p:txBody>
+      </p:sp>
+    </p:spTree>
+    <p:extLst>
+      <p:ext uri="{BB962C8B-B14F-4D97-AF65-F5344CB8AC3E}">
+        <p14:creationId xmlns:p14="http://schemas.microsoft.com/office/powerpoint/2010/main" val="3810168356"/>
+      </p:ext>
+    </p:extLst>
+  </p:cSld>
+  <p:clrMapOvr>
+    <a:masterClrMapping/>
+  </p:clrMapOvr>
+</p:sld>
+</file>
+
 <file path=ppt/slides/slide3.xml><?xml version="1.0" encoding="utf-8"?>
 <p:sld xmlns:a="http://schemas.openxmlformats.org/drawingml/2006/main" xmlns:r="http://schemas.openxmlformats.org/officeDocument/2006/relationships" xmlns:p="http://schemas.openxmlformats.org/presentationml/2006/main">
   <p:cSld>
